--- a/Calendario2022/Ejercicios/VLANs/Ejercicio3/Ejer14_VLANs_DHCP.pptx
+++ b/Calendario2022/Ejercicios/VLANs/Ejercicio3/Ejer14_VLANs_DHCP.pptx
@@ -5,7 +5,7 @@
     <p:sldMasterId id="2147483648" r:id="rId1"/>
   </p:sldMasterIdLst>
   <p:notesMasterIdLst>
-    <p:notesMasterId r:id="rId18"/>
+    <p:notesMasterId r:id="rId19"/>
   </p:notesMasterIdLst>
   <p:sldIdLst>
     <p:sldId id="354" r:id="rId2"/>
@@ -23,7 +23,8 @@
     <p:sldId id="355" r:id="rId14"/>
     <p:sldId id="349" r:id="rId15"/>
     <p:sldId id="350" r:id="rId16"/>
-    <p:sldId id="351" r:id="rId17"/>
+    <p:sldId id="356" r:id="rId17"/>
+    <p:sldId id="351" r:id="rId18"/>
   </p:sldIdLst>
   <p:sldSz cx="12192000" cy="6858000"/>
   <p:notesSz cx="12192000" cy="6858000"/>
@@ -712,6 +713,90 @@
     </p:spTree>
     <p:extLst>
       <p:ext uri="{BB962C8B-B14F-4D97-AF65-F5344CB8AC3E}">
+        <p14:creationId xmlns:p14="http://schemas.microsoft.com/office/powerpoint/2010/main" val="1185489775"/>
+      </p:ext>
+    </p:extLst>
+  </p:cSld>
+  <p:clrMapOvr>
+    <a:masterClrMapping/>
+  </p:clrMapOvr>
+</p:notes>
+</file>
+
+<file path=ppt/notesSlides/notesSlide16.xml><?xml version="1.0" encoding="utf-8"?>
+<p:notes xmlns:a="http://schemas.openxmlformats.org/drawingml/2006/main" xmlns:r="http://schemas.openxmlformats.org/officeDocument/2006/relationships" xmlns:p="http://schemas.openxmlformats.org/presentationml/2006/main">
+  <p:cSld>
+    <p:spTree>
+      <p:nvGrpSpPr>
+        <p:cNvPr id="1" name=""/>
+        <p:cNvGrpSpPr/>
+        <p:nvPr/>
+      </p:nvGrpSpPr>
+      <p:grpSpPr>
+        <a:xfrm>
+          <a:off x="0" y="0"/>
+          <a:ext cx="0" cy="0"/>
+          <a:chOff x="0" y="0"/>
+          <a:chExt cx="0" cy="0"/>
+        </a:xfrm>
+      </p:grpSpPr>
+      <p:sp>
+        <p:nvSpPr>
+          <p:cNvPr id="2" name="Marcador de imagen de diapositiva 1"/>
+          <p:cNvSpPr>
+            <a:spLocks noGrp="1" noRot="1" noChangeAspect="1"/>
+          </p:cNvSpPr>
+          <p:nvPr>
+            <p:ph type="sldImg"/>
+          </p:nvPr>
+        </p:nvSpPr>
+        <p:spPr/>
+      </p:sp>
+      <p:sp>
+        <p:nvSpPr>
+          <p:cNvPr id="3" name="Marcador de notas 2"/>
+          <p:cNvSpPr>
+            <a:spLocks noGrp="1"/>
+          </p:cNvSpPr>
+          <p:nvPr>
+            <p:ph type="body" idx="1"/>
+          </p:nvPr>
+        </p:nvSpPr>
+        <p:spPr/>
+        <p:txBody>
+          <a:bodyPr/>
+          <a:lstStyle/>
+          <a:p>
+            <a:endParaRPr lang="es-MX" dirty="0"/>
+          </a:p>
+        </p:txBody>
+      </p:sp>
+      <p:sp>
+        <p:nvSpPr>
+          <p:cNvPr id="4" name="Marcador de número de diapositiva 3"/>
+          <p:cNvSpPr>
+            <a:spLocks noGrp="1"/>
+          </p:cNvSpPr>
+          <p:nvPr>
+            <p:ph type="sldNum" sz="quarter" idx="5"/>
+          </p:nvPr>
+        </p:nvSpPr>
+        <p:spPr/>
+        <p:txBody>
+          <a:bodyPr/>
+          <a:lstStyle/>
+          <a:p>
+            <a:fld id="{5993AEC0-242E-4FA7-9D3C-51E1036AC3CB}" type="slidenum">
+              <a:rPr lang="es-MX" smtClean="0"/>
+              <a:t>17</a:t>
+            </a:fld>
+            <a:endParaRPr lang="es-MX" dirty="0"/>
+          </a:p>
+        </p:txBody>
+      </p:sp>
+    </p:spTree>
+    <p:extLst>
+      <p:ext uri="{BB962C8B-B14F-4D97-AF65-F5344CB8AC3E}">
         <p14:creationId xmlns:p14="http://schemas.microsoft.com/office/powerpoint/2010/main" val="671574992"/>
       </p:ext>
     </p:extLst>
@@ -1244,7 +1329,7 @@
           <a:p>
             <a:fld id="{1D8BD707-D9CF-40AE-B4C6-C98DA3205C09}" type="datetimeFigureOut">
               <a:rPr lang="en-US"/>
-              <a:t>5/4/2022</a:t>
+              <a:t>5/8/2022</a:t>
             </a:fld>
             <a:endParaRPr lang="en-US" dirty="0"/>
           </a:p>
@@ -1421,7 +1506,7 @@
           <a:p>
             <a:fld id="{1D8BD707-D9CF-40AE-B4C6-C98DA3205C09}" type="datetimeFigureOut">
               <a:rPr lang="en-US"/>
-              <a:t>5/4/2022</a:t>
+              <a:t>5/8/2022</a:t>
             </a:fld>
             <a:endParaRPr lang="en-US" dirty="0"/>
           </a:p>
@@ -1635,7 +1720,7 @@
           <a:p>
             <a:fld id="{1D8BD707-D9CF-40AE-B4C6-C98DA3205C09}" type="datetimeFigureOut">
               <a:rPr lang="en-US"/>
-              <a:t>5/4/2022</a:t>
+              <a:t>5/8/2022</a:t>
             </a:fld>
             <a:endParaRPr lang="en-US" dirty="0"/>
           </a:p>
@@ -1783,7 +1868,7 @@
           <a:p>
             <a:fld id="{1D8BD707-D9CF-40AE-B4C6-C98DA3205C09}" type="datetimeFigureOut">
               <a:rPr lang="en-US"/>
-              <a:t>5/4/2022</a:t>
+              <a:t>5/8/2022</a:t>
             </a:fld>
             <a:endParaRPr lang="en-US" dirty="0"/>
           </a:p>
@@ -1939,7 +2024,7 @@
           <a:p>
             <a:fld id="{1D8BD707-D9CF-40AE-B4C6-C98DA3205C09}" type="datetimeFigureOut">
               <a:rPr lang="en-US"/>
-              <a:t>5/4/2022</a:t>
+              <a:t>5/8/2022</a:t>
             </a:fld>
             <a:endParaRPr lang="en-US" dirty="0"/>
           </a:p>
@@ -2024,7 +2109,7 @@
           <a:p>
             <a:fld id="{5E75A0DC-66C6-4CEC-A5EB-F8C97CEC3796}" type="datetimeFigureOut">
               <a:rPr lang="es-MX" smtClean="0"/>
-              <a:t>04/05/2022</a:t>
+              <a:t>08/05/2022</a:t>
             </a:fld>
             <a:endParaRPr lang="es-MX" dirty="0"/>
           </a:p>
@@ -2281,7 +2366,7 @@
           <a:p>
             <a:fld id="{5E75A0DC-66C6-4CEC-A5EB-F8C97CEC3796}" type="datetimeFigureOut">
               <a:rPr lang="es-MX" smtClean="0"/>
-              <a:t>04/05/2022</a:t>
+              <a:t>08/05/2022</a:t>
             </a:fld>
             <a:endParaRPr lang="es-MX" dirty="0"/>
           </a:p>
@@ -2531,7 +2616,7 @@
           <a:p>
             <a:fld id="{1D8BD707-D9CF-40AE-B4C6-C98DA3205C09}" type="datetimeFigureOut">
               <a:rPr lang="en-US"/>
-              <a:t>5/4/2022</a:t>
+              <a:t>5/8/2022</a:t>
             </a:fld>
             <a:endParaRPr lang="en-US" dirty="0"/>
           </a:p>
@@ -2821,13 +2906,13 @@
         </p:nvSpPr>
         <p:spPr>
           <a:xfrm>
-            <a:off x="2438400" y="2057400"/>
-            <a:ext cx="6629400" cy="900137"/>
+            <a:off x="2057400" y="2106612"/>
+            <a:ext cx="7848600" cy="900137"/>
           </a:xfrm>
         </p:spPr>
         <p:txBody>
           <a:bodyPr rtlCol="0">
-            <a:normAutofit/>
+            <a:normAutofit fontScale="92500"/>
           </a:bodyPr>
           <a:lstStyle/>
           <a:p>
@@ -2865,7 +2950,7 @@
                   </a:schemeClr>
                 </a:solidFill>
               </a:rPr>
-              <a:t>, DHCP y rutas por default</a:t>
+              <a:t>, DHCP, rutas estáticas y por default</a:t>
             </a:r>
           </a:p>
           <a:p>
@@ -4044,7 +4129,7 @@
           <p:nvPr>
             <p:extLst>
               <p:ext uri="{D42A27DB-BD31-4B8C-83A1-F6EECF244321}">
-                <p14:modId xmlns:p14="http://schemas.microsoft.com/office/powerpoint/2010/main" val="3406356753"/>
+                <p14:modId xmlns:p14="http://schemas.microsoft.com/office/powerpoint/2010/main" val="1184171288"/>
               </p:ext>
             </p:extLst>
           </p:nvPr>
@@ -4707,7 +4792,7 @@
                           <a:latin typeface="Arial" panose="020B0604020202020204" pitchFamily="34" charset="0"/>
                           <a:cs typeface="Arial" panose="020B0604020202020204" pitchFamily="34" charset="0"/>
                         </a:rPr>
-                        <a:t>192.168.10.128</a:t>
+                        <a:t>192.168.1.128</a:t>
                       </a:r>
                       <a:endParaRPr lang="es-MX" sz="1400" b="0" dirty="0">
                         <a:solidFill>
@@ -5075,7 +5160,7 @@
                           <a:latin typeface="Arial" panose="020B0604020202020204" pitchFamily="34" charset="0"/>
                           <a:cs typeface="Arial" panose="020B0604020202020204" pitchFamily="34" charset="0"/>
                         </a:rPr>
-                        <a:t>192.168.0.0</a:t>
+                        <a:t>192.168.1.0</a:t>
                       </a:r>
                       <a:endParaRPr lang="es-MX" sz="1400" b="0" dirty="0">
                         <a:solidFill>
@@ -5442,7 +5527,7 @@
                           <a:latin typeface="Arial" panose="020B0604020202020204" pitchFamily="34" charset="0"/>
                           <a:cs typeface="Arial" panose="020B0604020202020204" pitchFamily="34" charset="0"/>
                         </a:rPr>
-                        <a:t>192.168.20.144</a:t>
+                        <a:t>192.168.1.144</a:t>
                       </a:r>
                       <a:endParaRPr lang="es-MX" sz="1400" b="0" dirty="0">
                         <a:solidFill>
@@ -5797,7 +5882,7 @@
                           <a:latin typeface="Arial" panose="020B0604020202020204" pitchFamily="34" charset="0"/>
                           <a:cs typeface="Arial" panose="020B0604020202020204" pitchFamily="34" charset="0"/>
                         </a:rPr>
-                        <a:t>192.168.20.152</a:t>
+                        <a:t>192.168.1.152</a:t>
                       </a:r>
                       <a:endParaRPr lang="es-MX" sz="1400" b="0" dirty="0">
                         <a:solidFill>
@@ -7005,6 +7090,36 @@
           <a:chExt cx="0" cy="0"/>
         </a:xfrm>
       </p:grpSpPr>
+      <p:pic>
+        <p:nvPicPr>
+          <p:cNvPr id="15" name="Imagen 14">
+            <a:extLst>
+              <a:ext uri="{FF2B5EF4-FFF2-40B4-BE49-F238E27FC236}">
+                <a16:creationId xmlns:a16="http://schemas.microsoft.com/office/drawing/2014/main" id="{95C4CBFC-B095-45E3-B8B8-C891D0C76407}"/>
+              </a:ext>
+            </a:extLst>
+          </p:cNvPr>
+          <p:cNvPicPr>
+            <a:picLocks noChangeAspect="1"/>
+          </p:cNvPicPr>
+          <p:nvPr/>
+        </p:nvPicPr>
+        <p:blipFill>
+          <a:blip r:embed="rId3"/>
+          <a:stretch>
+            <a:fillRect/>
+          </a:stretch>
+        </p:blipFill>
+        <p:spPr>
+          <a:xfrm>
+            <a:off x="1857094" y="1905000"/>
+            <a:ext cx="8284721" cy="4703725"/>
+          </a:xfrm>
+          <a:prstGeom prst="rect">
+            <a:avLst/>
+          </a:prstGeom>
+        </p:spPr>
+      </p:pic>
       <p:sp>
         <p:nvSpPr>
           <p:cNvPr id="2" name="object 2"/>
@@ -7054,127 +7169,6 @@
       </p:sp>
       <p:sp>
         <p:nvSpPr>
-          <p:cNvPr id="5" name="object 3">
-            <a:extLst>
-              <a:ext uri="{FF2B5EF4-FFF2-40B4-BE49-F238E27FC236}">
-                <a16:creationId xmlns:a16="http://schemas.microsoft.com/office/drawing/2014/main" id="{95322AB3-57A0-49BA-83F8-F8BD899E5418}"/>
-              </a:ext>
-            </a:extLst>
-          </p:cNvPr>
-          <p:cNvSpPr/>
-          <p:nvPr/>
-        </p:nvSpPr>
-        <p:spPr>
-          <a:xfrm>
-            <a:off x="2250490" y="2057400"/>
-            <a:ext cx="7655510" cy="4396257"/>
-          </a:xfrm>
-          <a:prstGeom prst="rect">
-            <a:avLst/>
-          </a:prstGeom>
-          <a:blipFill>
-            <a:blip r:embed="rId3" cstate="print"/>
-            <a:stretch>
-              <a:fillRect/>
-            </a:stretch>
-          </a:blipFill>
-        </p:spPr>
-        <p:txBody>
-          <a:bodyPr wrap="square" lIns="0" tIns="0" rIns="0" bIns="0" rtlCol="0"/>
-          <a:lstStyle/>
-          <a:p>
-            <a:endParaRPr dirty="0"/>
-          </a:p>
-        </p:txBody>
-      </p:sp>
-      <p:sp>
-        <p:nvSpPr>
-          <p:cNvPr id="6" name="CuadroTexto 5">
-            <a:extLst>
-              <a:ext uri="{FF2B5EF4-FFF2-40B4-BE49-F238E27FC236}">
-                <a16:creationId xmlns:a16="http://schemas.microsoft.com/office/drawing/2014/main" id="{149FFE87-BA80-4A75-8FE6-2BF315EEC4E1}"/>
-              </a:ext>
-            </a:extLst>
-          </p:cNvPr>
-          <p:cNvSpPr txBox="1"/>
-          <p:nvPr/>
-        </p:nvSpPr>
-        <p:spPr>
-          <a:xfrm>
-            <a:off x="4841290" y="3322461"/>
-            <a:ext cx="533402" cy="246221"/>
-          </a:xfrm>
-          <a:prstGeom prst="rect">
-            <a:avLst/>
-          </a:prstGeom>
-          <a:noFill/>
-        </p:spPr>
-        <p:txBody>
-          <a:bodyPr wrap="square" rtlCol="0">
-            <a:spAutoFit/>
-          </a:bodyPr>
-          <a:lstStyle/>
-          <a:p>
-            <a:pPr algn="r"/>
-            <a:r>
-              <a:rPr lang="es-ES" sz="1000" b="1" dirty="0">
-                <a:latin typeface="Arial" panose="020B0604020202020204" pitchFamily="34" charset="0"/>
-                <a:cs typeface="Arial" panose="020B0604020202020204" pitchFamily="34" charset="0"/>
-              </a:rPr>
-              <a:t>g0/0</a:t>
-            </a:r>
-            <a:endParaRPr lang="es-MX" sz="1000" b="1" dirty="0">
-              <a:latin typeface="Arial" panose="020B0604020202020204" pitchFamily="34" charset="0"/>
-              <a:cs typeface="Arial" panose="020B0604020202020204" pitchFamily="34" charset="0"/>
-            </a:endParaRPr>
-          </a:p>
-        </p:txBody>
-      </p:sp>
-      <p:sp>
-        <p:nvSpPr>
-          <p:cNvPr id="7" name="CuadroTexto 6">
-            <a:extLst>
-              <a:ext uri="{FF2B5EF4-FFF2-40B4-BE49-F238E27FC236}">
-                <a16:creationId xmlns:a16="http://schemas.microsoft.com/office/drawing/2014/main" id="{8582B86D-240D-4967-A4F4-170236EBC68A}"/>
-              </a:ext>
-            </a:extLst>
-          </p:cNvPr>
-          <p:cNvSpPr txBox="1"/>
-          <p:nvPr/>
-        </p:nvSpPr>
-        <p:spPr>
-          <a:xfrm>
-            <a:off x="4917488" y="3703461"/>
-            <a:ext cx="533402" cy="246221"/>
-          </a:xfrm>
-          <a:prstGeom prst="rect">
-            <a:avLst/>
-          </a:prstGeom>
-          <a:noFill/>
-        </p:spPr>
-        <p:txBody>
-          <a:bodyPr wrap="square" rtlCol="0">
-            <a:spAutoFit/>
-          </a:bodyPr>
-          <a:lstStyle/>
-          <a:p>
-            <a:pPr algn="r"/>
-            <a:r>
-              <a:rPr lang="es-ES" sz="1000" b="1" dirty="0">
-                <a:latin typeface="Arial" panose="020B0604020202020204" pitchFamily="34" charset="0"/>
-                <a:cs typeface="Arial" panose="020B0604020202020204" pitchFamily="34" charset="0"/>
-              </a:rPr>
-              <a:t>g0/1</a:t>
-            </a:r>
-            <a:endParaRPr lang="es-MX" sz="1000" b="1" dirty="0">
-              <a:latin typeface="Arial" panose="020B0604020202020204" pitchFamily="34" charset="0"/>
-              <a:cs typeface="Arial" panose="020B0604020202020204" pitchFamily="34" charset="0"/>
-            </a:endParaRPr>
-          </a:p>
-        </p:txBody>
-      </p:sp>
-      <p:sp>
-        <p:nvSpPr>
           <p:cNvPr id="9" name="Rectángulo 8">
             <a:extLst>
               <a:ext uri="{FF2B5EF4-FFF2-40B4-BE49-F238E27FC236}">
@@ -7187,8 +7181,8 @@
         </p:nvSpPr>
         <p:spPr>
           <a:xfrm>
-            <a:off x="4886065" y="3178871"/>
-            <a:ext cx="838200" cy="779621"/>
+            <a:off x="4886065" y="2743200"/>
+            <a:ext cx="828935" cy="1143000"/>
           </a:xfrm>
           <a:prstGeom prst="rect">
             <a:avLst/>
@@ -7239,7 +7233,7 @@
         </p:nvSpPr>
         <p:spPr>
           <a:xfrm>
-            <a:off x="4041190" y="2341470"/>
+            <a:off x="2743200" y="2636715"/>
             <a:ext cx="1600200" cy="504807"/>
           </a:xfrm>
           <a:prstGeom prst="roundRect">
@@ -7314,7 +7308,7 @@
         </p:nvSpPr>
         <p:spPr>
           <a:xfrm>
-            <a:off x="2919906" y="4922661"/>
+            <a:off x="2514600" y="4922661"/>
             <a:ext cx="1600200" cy="504807"/>
           </a:xfrm>
           <a:prstGeom prst="roundRect">
@@ -7386,7 +7380,7 @@
         </p:nvSpPr>
         <p:spPr>
           <a:xfrm>
-            <a:off x="7059458" y="4770261"/>
+            <a:off x="7162800" y="4922661"/>
             <a:ext cx="1600200" cy="504807"/>
           </a:xfrm>
           <a:prstGeom prst="roundRect">
@@ -7760,6 +7754,47 @@
           </a:p>
         </p:txBody>
       </p:sp>
+      <p:cxnSp>
+        <p:nvCxnSpPr>
+          <p:cNvPr id="4" name="Conector recto de flecha 3">
+            <a:extLst>
+              <a:ext uri="{FF2B5EF4-FFF2-40B4-BE49-F238E27FC236}">
+                <a16:creationId xmlns:a16="http://schemas.microsoft.com/office/drawing/2014/main" id="{8C3B6A85-ED2E-47F3-B8FC-195302BABA7C}"/>
+              </a:ext>
+            </a:extLst>
+          </p:cNvPr>
+          <p:cNvCxnSpPr>
+            <a:cxnSpLocks/>
+          </p:cNvCxnSpPr>
+          <p:nvPr/>
+        </p:nvCxnSpPr>
+        <p:spPr>
+          <a:xfrm>
+            <a:off x="4343400" y="2889118"/>
+            <a:ext cx="457200" cy="252404"/>
+          </a:xfrm>
+          <a:prstGeom prst="straightConnector1">
+            <a:avLst/>
+          </a:prstGeom>
+          <a:ln w="25400">
+            <a:tailEnd type="triangle"/>
+          </a:ln>
+        </p:spPr>
+        <p:style>
+          <a:lnRef idx="1">
+            <a:schemeClr val="accent1"/>
+          </a:lnRef>
+          <a:fillRef idx="0">
+            <a:schemeClr val="accent1"/>
+          </a:fillRef>
+          <a:effectRef idx="0">
+            <a:schemeClr val="accent1"/>
+          </a:effectRef>
+          <a:fontRef idx="minor">
+            <a:schemeClr val="tx1"/>
+          </a:fontRef>
+        </p:style>
+      </p:cxnSp>
     </p:spTree>
     <p:extLst>
       <p:ext uri="{BB962C8B-B14F-4D97-AF65-F5344CB8AC3E}">
@@ -8209,6 +8244,91 @@
           </a:prstGeom>
         </p:spPr>
       </p:pic>
+      <p:sp>
+        <p:nvSpPr>
+          <p:cNvPr id="6" name="Rectángulo: esquinas redondeadas 5">
+            <a:extLst>
+              <a:ext uri="{FF2B5EF4-FFF2-40B4-BE49-F238E27FC236}">
+                <a16:creationId xmlns:a16="http://schemas.microsoft.com/office/drawing/2014/main" id="{449025C7-8E61-45D7-88A0-EE7576CDAE39}"/>
+              </a:ext>
+            </a:extLst>
+          </p:cNvPr>
+          <p:cNvSpPr/>
+          <p:nvPr/>
+        </p:nvSpPr>
+        <p:spPr>
+          <a:xfrm>
+            <a:off x="8153400" y="5334000"/>
+            <a:ext cx="1905000" cy="685800"/>
+          </a:xfrm>
+          <a:prstGeom prst="roundRect">
+            <a:avLst/>
+          </a:prstGeom>
+          <a:solidFill>
+            <a:srgbClr val="FBFB79"/>
+          </a:solidFill>
+        </p:spPr>
+        <p:style>
+          <a:lnRef idx="2">
+            <a:schemeClr val="accent1">
+              <a:shade val="50000"/>
+            </a:schemeClr>
+          </a:lnRef>
+          <a:fillRef idx="1">
+            <a:schemeClr val="accent1"/>
+          </a:fillRef>
+          <a:effectRef idx="0">
+            <a:schemeClr val="accent1"/>
+          </a:effectRef>
+          <a:fontRef idx="minor">
+            <a:schemeClr val="lt1"/>
+          </a:fontRef>
+        </p:style>
+        <p:txBody>
+          <a:bodyPr rtlCol="0" anchor="ctr"/>
+          <a:lstStyle/>
+          <a:p>
+            <a:pPr algn="ctr"/>
+            <a:r>
+              <a:rPr lang="es-ES" sz="1600" b="1" dirty="0">
+                <a:solidFill>
+                  <a:schemeClr val="tx1"/>
+                </a:solidFill>
+              </a:rPr>
+              <a:t>VLAN 20: </a:t>
+            </a:r>
+            <a:r>
+              <a:rPr lang="es-ES" sz="1600" b="1" dirty="0" err="1">
+                <a:solidFill>
+                  <a:schemeClr val="tx1"/>
+                </a:solidFill>
+              </a:rPr>
+              <a:t>Users</a:t>
+            </a:r>
+            <a:endParaRPr lang="es-ES" sz="1600" b="1" dirty="0">
+              <a:solidFill>
+                <a:schemeClr val="tx1"/>
+              </a:solidFill>
+            </a:endParaRPr>
+          </a:p>
+          <a:p>
+            <a:pPr algn="ctr"/>
+            <a:r>
+              <a:rPr lang="es-ES" sz="1600" b="1" dirty="0">
+                <a:solidFill>
+                  <a:schemeClr val="tx1"/>
+                </a:solidFill>
+              </a:rPr>
+              <a:t>192.168.1.0 /25</a:t>
+            </a:r>
+            <a:endParaRPr lang="es-MX" sz="1600" b="1" dirty="0">
+              <a:solidFill>
+                <a:schemeClr val="tx1"/>
+              </a:solidFill>
+            </a:endParaRPr>
+          </a:p>
+        </p:txBody>
+      </p:sp>
     </p:spTree>
     <p:extLst>
       <p:ext uri="{BB962C8B-B14F-4D97-AF65-F5344CB8AC3E}">
@@ -8319,10 +8439,10 @@
       </p:grpSpPr>
       <p:pic>
         <p:nvPicPr>
-          <p:cNvPr id="6" name="Imagen 5">
+          <p:cNvPr id="3" name="Imagen 2">
             <a:extLst>
               <a:ext uri="{FF2B5EF4-FFF2-40B4-BE49-F238E27FC236}">
-                <a16:creationId xmlns:a16="http://schemas.microsoft.com/office/drawing/2014/main" id="{11C5F8D1-956C-46FB-AE08-76654D8D3DDC}"/>
+                <a16:creationId xmlns:a16="http://schemas.microsoft.com/office/drawing/2014/main" id="{D86589FE-6F01-452A-BFC3-D6DFD790E60B}"/>
               </a:ext>
             </a:extLst>
           </p:cNvPr>
@@ -8339,8 +8459,8 @@
         </p:blipFill>
         <p:spPr>
           <a:xfrm>
-            <a:off x="4648200" y="3006141"/>
-            <a:ext cx="7449284" cy="3743973"/>
+            <a:off x="4800600" y="2933635"/>
+            <a:ext cx="6302634" cy="3672811"/>
           </a:xfrm>
           <a:prstGeom prst="rect">
             <a:avLst/>
@@ -9009,273 +9129,36 @@
           <a:chExt cx="0" cy="0"/>
         </a:xfrm>
       </p:grpSpPr>
-      <p:sp>
-        <p:nvSpPr>
-          <p:cNvPr id="35845" name="7 CuadroTexto"/>
-          <p:cNvSpPr txBox="1">
-            <a:spLocks noChangeArrowheads="1"/>
-          </p:cNvSpPr>
+      <p:pic>
+        <p:nvPicPr>
+          <p:cNvPr id="3" name="Imagen 2">
+            <a:extLst>
+              <a:ext uri="{FF2B5EF4-FFF2-40B4-BE49-F238E27FC236}">
+                <a16:creationId xmlns:a16="http://schemas.microsoft.com/office/drawing/2014/main" id="{D86589FE-6F01-452A-BFC3-D6DFD790E60B}"/>
+              </a:ext>
+            </a:extLst>
+          </p:cNvPr>
+          <p:cNvPicPr>
+            <a:picLocks noChangeAspect="1"/>
+          </p:cNvPicPr>
           <p:nvPr/>
-        </p:nvSpPr>
-        <p:spPr bwMode="auto">
+        </p:nvPicPr>
+        <p:blipFill>
+          <a:blip r:embed="rId3"/>
+          <a:stretch>
+            <a:fillRect/>
+          </a:stretch>
+        </p:blipFill>
+        <p:spPr>
           <a:xfrm>
-            <a:off x="1219200" y="1447800"/>
-            <a:ext cx="9753600" cy="1287532"/>
+            <a:off x="1676400" y="1905000"/>
+            <a:ext cx="7848600" cy="4573711"/>
           </a:xfrm>
           <a:prstGeom prst="rect">
             <a:avLst/>
           </a:prstGeom>
-          <a:noFill/>
-          <a:ln>
-            <a:noFill/>
-          </a:ln>
-          <a:extLst>
-            <a:ext uri="{909E8E84-426E-40DD-AFC4-6F175D3DCCD1}">
-              <a14:hiddenFill xmlns:a14="http://schemas.microsoft.com/office/drawing/2010/main">
-                <a:solidFill>
-                  <a:srgbClr val="FFFFFF"/>
-                </a:solidFill>
-              </a14:hiddenFill>
-            </a:ext>
-            <a:ext uri="{91240B29-F687-4F45-9708-019B960494DF}">
-              <a14:hiddenLine xmlns:a14="http://schemas.microsoft.com/office/drawing/2010/main" w="9525">
-                <a:solidFill>
-                  <a:srgbClr val="000000"/>
-                </a:solidFill>
-                <a:miter lim="800000"/>
-                <a:headEnd/>
-                <a:tailEnd/>
-              </a14:hiddenLine>
-            </a:ext>
-          </a:extLst>
         </p:spPr>
-        <p:txBody>
-          <a:bodyPr wrap="square">
-            <a:spAutoFit/>
-          </a:bodyPr>
-          <a:lstStyle>
-            <a:lvl1pPr eaLnBrk="0" hangingPunct="0">
-              <a:defRPr sz="2400">
-                <a:solidFill>
-                  <a:schemeClr val="tx1"/>
-                </a:solidFill>
-                <a:latin typeface="Times New Roman" pitchFamily="18" charset="0"/>
-              </a:defRPr>
-            </a:lvl1pPr>
-            <a:lvl2pPr marL="742950" indent="-285750" eaLnBrk="0" hangingPunct="0">
-              <a:defRPr sz="2400">
-                <a:solidFill>
-                  <a:schemeClr val="tx1"/>
-                </a:solidFill>
-                <a:latin typeface="Times New Roman" pitchFamily="18" charset="0"/>
-              </a:defRPr>
-            </a:lvl2pPr>
-            <a:lvl3pPr marL="1143000" indent="-228600" eaLnBrk="0" hangingPunct="0">
-              <a:defRPr sz="2400">
-                <a:solidFill>
-                  <a:schemeClr val="tx1"/>
-                </a:solidFill>
-                <a:latin typeface="Times New Roman" pitchFamily="18" charset="0"/>
-              </a:defRPr>
-            </a:lvl3pPr>
-            <a:lvl4pPr marL="1600200" indent="-228600" eaLnBrk="0" hangingPunct="0">
-              <a:defRPr sz="2400">
-                <a:solidFill>
-                  <a:schemeClr val="tx1"/>
-                </a:solidFill>
-                <a:latin typeface="Times New Roman" pitchFamily="18" charset="0"/>
-              </a:defRPr>
-            </a:lvl4pPr>
-            <a:lvl5pPr marL="2057400" indent="-228600" eaLnBrk="0" hangingPunct="0">
-              <a:defRPr sz="2400">
-                <a:solidFill>
-                  <a:schemeClr val="tx1"/>
-                </a:solidFill>
-                <a:latin typeface="Times New Roman" pitchFamily="18" charset="0"/>
-              </a:defRPr>
-            </a:lvl5pPr>
-            <a:lvl6pPr marL="2514600" indent="-228600" eaLnBrk="0" fontAlgn="base" hangingPunct="0">
-              <a:spcBef>
-                <a:spcPct val="0"/>
-              </a:spcBef>
-              <a:spcAft>
-                <a:spcPct val="0"/>
-              </a:spcAft>
-              <a:defRPr sz="2400">
-                <a:solidFill>
-                  <a:schemeClr val="tx1"/>
-                </a:solidFill>
-                <a:latin typeface="Times New Roman" pitchFamily="18" charset="0"/>
-              </a:defRPr>
-            </a:lvl6pPr>
-            <a:lvl7pPr marL="2971800" indent="-228600" eaLnBrk="0" fontAlgn="base" hangingPunct="0">
-              <a:spcBef>
-                <a:spcPct val="0"/>
-              </a:spcBef>
-              <a:spcAft>
-                <a:spcPct val="0"/>
-              </a:spcAft>
-              <a:defRPr sz="2400">
-                <a:solidFill>
-                  <a:schemeClr val="tx1"/>
-                </a:solidFill>
-                <a:latin typeface="Times New Roman" pitchFamily="18" charset="0"/>
-              </a:defRPr>
-            </a:lvl7pPr>
-            <a:lvl8pPr marL="3429000" indent="-228600" eaLnBrk="0" fontAlgn="base" hangingPunct="0">
-              <a:spcBef>
-                <a:spcPct val="0"/>
-              </a:spcBef>
-              <a:spcAft>
-                <a:spcPct val="0"/>
-              </a:spcAft>
-              <a:defRPr sz="2400">
-                <a:solidFill>
-                  <a:schemeClr val="tx1"/>
-                </a:solidFill>
-                <a:latin typeface="Times New Roman" pitchFamily="18" charset="0"/>
-              </a:defRPr>
-            </a:lvl8pPr>
-            <a:lvl9pPr marL="3886200" indent="-228600" eaLnBrk="0" fontAlgn="base" hangingPunct="0">
-              <a:spcBef>
-                <a:spcPct val="0"/>
-              </a:spcBef>
-              <a:spcAft>
-                <a:spcPct val="0"/>
-              </a:spcAft>
-              <a:defRPr sz="2400">
-                <a:solidFill>
-                  <a:schemeClr val="tx1"/>
-                </a:solidFill>
-                <a:latin typeface="Times New Roman" pitchFamily="18" charset="0"/>
-              </a:defRPr>
-            </a:lvl9pPr>
-          </a:lstStyle>
-          <a:p>
-            <a:pPr marL="342900" indent="-342900">
-              <a:lnSpc>
-                <a:spcPct val="150000"/>
-              </a:lnSpc>
-              <a:buFont typeface="+mj-lt"/>
-              <a:buAutoNum type="arabicPeriod"/>
-            </a:pPr>
-            <a:r>
-              <a:rPr lang="es-MX" sz="1800" dirty="0">
-                <a:solidFill>
-                  <a:schemeClr val="bg2">
-                    <a:lumMod val="25000"/>
-                  </a:schemeClr>
-                </a:solidFill>
-                <a:latin typeface="Arial" panose="020B0604020202020204" pitchFamily="34" charset="0"/>
-                <a:cs typeface="Arial" panose="020B0604020202020204" pitchFamily="34" charset="0"/>
-              </a:rPr>
-              <a:t>Probar el servicio de</a:t>
-            </a:r>
-            <a:r>
-              <a:rPr lang="es-MX" sz="1800" b="1" dirty="0">
-                <a:solidFill>
-                  <a:schemeClr val="bg2">
-                    <a:lumMod val="25000"/>
-                  </a:schemeClr>
-                </a:solidFill>
-                <a:latin typeface="Arial" panose="020B0604020202020204" pitchFamily="34" charset="0"/>
-                <a:cs typeface="Arial" panose="020B0604020202020204" pitchFamily="34" charset="0"/>
-              </a:rPr>
-              <a:t> DHCP</a:t>
-            </a:r>
-            <a:r>
-              <a:rPr lang="es-MX" sz="1800" dirty="0">
-                <a:solidFill>
-                  <a:schemeClr val="bg2">
-                    <a:lumMod val="25000"/>
-                  </a:schemeClr>
-                </a:solidFill>
-                <a:latin typeface="Arial" panose="020B0604020202020204" pitchFamily="34" charset="0"/>
-                <a:cs typeface="Arial" panose="020B0604020202020204" pitchFamily="34" charset="0"/>
-              </a:rPr>
-              <a:t>.</a:t>
-            </a:r>
-          </a:p>
-          <a:p>
-            <a:pPr marL="342900" indent="-342900">
-              <a:lnSpc>
-                <a:spcPct val="150000"/>
-              </a:lnSpc>
-              <a:buFont typeface="+mj-lt"/>
-              <a:buAutoNum type="arabicPeriod"/>
-            </a:pPr>
-            <a:r>
-              <a:rPr lang="es-MX" sz="1800" dirty="0">
-                <a:solidFill>
-                  <a:schemeClr val="bg2">
-                    <a:lumMod val="25000"/>
-                  </a:schemeClr>
-                </a:solidFill>
-                <a:latin typeface="Arial" panose="020B0604020202020204" pitchFamily="34" charset="0"/>
-                <a:cs typeface="Arial" panose="020B0604020202020204" pitchFamily="34" charset="0"/>
-              </a:rPr>
-              <a:t>Probar la conectividad interna: </a:t>
-            </a:r>
-            <a:r>
-              <a:rPr lang="es-MX" sz="1800" b="1" dirty="0">
-                <a:solidFill>
-                  <a:schemeClr val="bg2">
-                    <a:lumMod val="25000"/>
-                  </a:schemeClr>
-                </a:solidFill>
-                <a:latin typeface="Arial" panose="020B0604020202020204" pitchFamily="34" charset="0"/>
-                <a:cs typeface="Arial" panose="020B0604020202020204" pitchFamily="34" charset="0"/>
-              </a:rPr>
-              <a:t>interconexión entre </a:t>
-            </a:r>
-            <a:r>
-              <a:rPr lang="es-MX" sz="1800" b="1" dirty="0" err="1">
-                <a:solidFill>
-                  <a:schemeClr val="bg2">
-                    <a:lumMod val="25000"/>
-                  </a:schemeClr>
-                </a:solidFill>
-                <a:latin typeface="Arial" panose="020B0604020202020204" pitchFamily="34" charset="0"/>
-                <a:cs typeface="Arial" panose="020B0604020202020204" pitchFamily="34" charset="0"/>
-              </a:rPr>
-              <a:t>VLANs</a:t>
-            </a:r>
-            <a:r>
-              <a:rPr lang="es-MX" sz="1800" dirty="0">
-                <a:solidFill>
-                  <a:schemeClr val="bg2">
-                    <a:lumMod val="25000"/>
-                  </a:schemeClr>
-                </a:solidFill>
-                <a:latin typeface="Arial" panose="020B0604020202020204" pitchFamily="34" charset="0"/>
-                <a:cs typeface="Arial" panose="020B0604020202020204" pitchFamily="34" charset="0"/>
-              </a:rPr>
-              <a:t>.</a:t>
-            </a:r>
-          </a:p>
-          <a:p>
-            <a:pPr marL="342900" indent="-342900">
-              <a:lnSpc>
-                <a:spcPct val="150000"/>
-              </a:lnSpc>
-              <a:buFont typeface="+mj-lt"/>
-              <a:buAutoNum type="arabicPeriod"/>
-            </a:pPr>
-            <a:r>
-              <a:rPr lang="es-MX" sz="1800" dirty="0">
-                <a:solidFill>
-                  <a:schemeClr val="bg2">
-                    <a:lumMod val="25000"/>
-                  </a:schemeClr>
-                </a:solidFill>
-                <a:latin typeface="Arial" panose="020B0604020202020204" pitchFamily="34" charset="0"/>
-                <a:cs typeface="Arial" panose="020B0604020202020204" pitchFamily="34" charset="0"/>
-              </a:rPr>
-              <a:t>Probar la conectividad externa.</a:t>
-            </a:r>
-          </a:p>
-        </p:txBody>
-      </p:sp>
+      </p:pic>
       <p:sp>
         <p:nvSpPr>
           <p:cNvPr id="8" name="Rectangle 2"/>
@@ -9286,7 +9169,7 @@
         </p:nvSpPr>
         <p:spPr>
           <a:xfrm>
-            <a:off x="1524000" y="41304"/>
+            <a:off x="1447800" y="0"/>
             <a:ext cx="8892480" cy="1143000"/>
           </a:xfrm>
           <a:prstGeom prst="rect">
@@ -9345,7 +9228,7 @@
                 </a:effectLst>
                 <a:latin typeface="Dom Casual" charset="0"/>
               </a:rPr>
-              <a:t>Pruebas de conectividad</a:t>
+              <a:t>Configuración de rutas estáticas</a:t>
             </a:r>
           </a:p>
         </p:txBody>
@@ -9355,7 +9238,7 @@
           <p:cNvPr id="5" name="CuadroTexto 4">
             <a:extLst>
               <a:ext uri="{FF2B5EF4-FFF2-40B4-BE49-F238E27FC236}">
-                <a16:creationId xmlns:a16="http://schemas.microsoft.com/office/drawing/2014/main" id="{AEECBFE5-FEB9-4381-95C1-5DE7B17DCA54}"/>
+                <a16:creationId xmlns:a16="http://schemas.microsoft.com/office/drawing/2014/main" id="{9D99F20F-671A-41D1-8D5A-1D575E79056A}"/>
               </a:ext>
             </a:extLst>
           </p:cNvPr>
@@ -9364,8 +9247,8 @@
         </p:nvSpPr>
         <p:spPr>
           <a:xfrm>
-            <a:off x="1600200" y="2895600"/>
-            <a:ext cx="6096000" cy="1711366"/>
+            <a:off x="838200" y="1219200"/>
+            <a:ext cx="11201400" cy="416011"/>
           </a:xfrm>
           <a:prstGeom prst="rect">
             <a:avLst/>
@@ -9384,94 +9267,754 @@
               </a:lnSpc>
             </a:pPr>
             <a:r>
-              <a:rPr lang="es-ES" b="1" dirty="0"/>
-              <a:t>User01</a:t>
-            </a:r>
-            <a:r>
-              <a:rPr lang="es-ES" dirty="0"/>
-              <a:t> acceso web a </a:t>
-            </a:r>
-            <a:r>
-              <a:rPr lang="es-ES" b="1" dirty="0" err="1"/>
-              <a:t>SCompany</a:t>
-            </a:r>
-            <a:r>
-              <a:rPr lang="es-ES" b="1" dirty="0"/>
-              <a:t> (192.168.0.153)</a:t>
-            </a:r>
-            <a:endParaRPr lang="es-MX" b="1" dirty="0"/>
+              <a:rPr lang="es-ES_tradnl" sz="1600" dirty="0">
+                <a:solidFill>
+                  <a:schemeClr val="bg2">
+                    <a:lumMod val="25000"/>
+                  </a:schemeClr>
+                </a:solidFill>
+                <a:latin typeface="Arial" panose="020B0604020202020204" pitchFamily="34" charset="0"/>
+                <a:cs typeface="Arial" panose="020B0604020202020204" pitchFamily="34" charset="0"/>
+              </a:rPr>
+              <a:t>Configurar en el </a:t>
+            </a:r>
+            <a:r>
+              <a:rPr lang="es-ES_tradnl" sz="1600" b="1" dirty="0">
+                <a:solidFill>
+                  <a:schemeClr val="bg2">
+                    <a:lumMod val="25000"/>
+                  </a:schemeClr>
+                </a:solidFill>
+                <a:latin typeface="Arial" panose="020B0604020202020204" pitchFamily="34" charset="0"/>
+                <a:cs typeface="Arial" panose="020B0604020202020204" pitchFamily="34" charset="0"/>
+              </a:rPr>
+              <a:t>ISP</a:t>
+            </a:r>
+            <a:r>
+              <a:rPr lang="es-ES_tradnl" sz="1600" dirty="0">
+                <a:solidFill>
+                  <a:schemeClr val="bg2">
+                    <a:lumMod val="25000"/>
+                  </a:schemeClr>
+                </a:solidFill>
+                <a:latin typeface="Arial" panose="020B0604020202020204" pitchFamily="34" charset="0"/>
+                <a:cs typeface="Arial" panose="020B0604020202020204" pitchFamily="34" charset="0"/>
+              </a:rPr>
+              <a:t>, las </a:t>
+            </a:r>
+            <a:r>
+              <a:rPr lang="es-ES_tradnl" sz="1600" b="1" dirty="0">
+                <a:solidFill>
+                  <a:schemeClr val="bg2">
+                    <a:lumMod val="25000"/>
+                  </a:schemeClr>
+                </a:solidFill>
+                <a:latin typeface="Arial" panose="020B0604020202020204" pitchFamily="34" charset="0"/>
+                <a:cs typeface="Arial" panose="020B0604020202020204" pitchFamily="34" charset="0"/>
+              </a:rPr>
+              <a:t>rutas estáticas </a:t>
+            </a:r>
+            <a:r>
+              <a:rPr lang="es-ES_tradnl" sz="1600" dirty="0">
+                <a:solidFill>
+                  <a:schemeClr val="bg2">
+                    <a:lumMod val="25000"/>
+                  </a:schemeClr>
+                </a:solidFill>
+                <a:latin typeface="Arial" panose="020B0604020202020204" pitchFamily="34" charset="0"/>
+                <a:cs typeface="Arial" panose="020B0604020202020204" pitchFamily="34" charset="0"/>
+              </a:rPr>
+              <a:t>necesarias para conectar el tráfico de Internet con la red local.</a:t>
+            </a:r>
           </a:p>
+        </p:txBody>
+      </p:sp>
+    </p:spTree>
+    <p:extLst>
+      <p:ext uri="{BB962C8B-B14F-4D97-AF65-F5344CB8AC3E}">
+        <p14:creationId xmlns:p14="http://schemas.microsoft.com/office/powerpoint/2010/main" val="3465871034"/>
+      </p:ext>
+    </p:extLst>
+  </p:cSld>
+  <p:clrMapOvr>
+    <a:masterClrMapping/>
+  </p:clrMapOvr>
+</p:sld>
+</file>
+
+<file path=ppt/slides/slide17.xml><?xml version="1.0" encoding="utf-8"?>
+<p:sld xmlns:a="http://schemas.openxmlformats.org/drawingml/2006/main" xmlns:r="http://schemas.openxmlformats.org/officeDocument/2006/relationships" xmlns:p="http://schemas.openxmlformats.org/presentationml/2006/main">
+  <p:cSld>
+    <p:spTree>
+      <p:nvGrpSpPr>
+        <p:cNvPr id="1" name=""/>
+        <p:cNvGrpSpPr/>
+        <p:nvPr/>
+      </p:nvGrpSpPr>
+      <p:grpSpPr>
+        <a:xfrm>
+          <a:off x="0" y="0"/>
+          <a:ext cx="0" cy="0"/>
+          <a:chOff x="0" y="0"/>
+          <a:chExt cx="0" cy="0"/>
+        </a:xfrm>
+      </p:grpSpPr>
+      <p:pic>
+        <p:nvPicPr>
+          <p:cNvPr id="3" name="Imagen 2" descr="Diagrama&#10;&#10;Descripción generada automáticamente">
+            <a:extLst>
+              <a:ext uri="{FF2B5EF4-FFF2-40B4-BE49-F238E27FC236}">
+                <a16:creationId xmlns:a16="http://schemas.microsoft.com/office/drawing/2014/main" id="{56250915-8653-4CAC-B01C-81818B6BAF4B}"/>
+              </a:ext>
+            </a:extLst>
+          </p:cNvPr>
+          <p:cNvPicPr>
+            <a:picLocks noChangeAspect="1"/>
+          </p:cNvPicPr>
+          <p:nvPr/>
+        </p:nvPicPr>
+        <p:blipFill>
+          <a:blip r:embed="rId3" cstate="print">
+            <a:extLst>
+              <a:ext uri="{28A0092B-C50C-407E-A947-70E740481C1C}">
+                <a14:useLocalDpi xmlns:a14="http://schemas.microsoft.com/office/drawing/2010/main" val="0"/>
+              </a:ext>
+            </a:extLst>
+          </a:blip>
+          <a:stretch>
+            <a:fillRect/>
+          </a:stretch>
+        </p:blipFill>
+        <p:spPr>
+          <a:xfrm>
+            <a:off x="7696200" y="2133600"/>
+            <a:ext cx="3901759" cy="2928150"/>
+          </a:xfrm>
+          <a:prstGeom prst="rect">
+            <a:avLst/>
+          </a:prstGeom>
+        </p:spPr>
+      </p:pic>
+      <p:sp>
+        <p:nvSpPr>
+          <p:cNvPr id="35845" name="7 CuadroTexto"/>
+          <p:cNvSpPr txBox="1">
+            <a:spLocks noChangeArrowheads="1"/>
+          </p:cNvSpPr>
+          <p:nvPr/>
+        </p:nvSpPr>
+        <p:spPr bwMode="auto">
+          <a:xfrm>
+            <a:off x="1219200" y="1439343"/>
+            <a:ext cx="9753600" cy="4765407"/>
+          </a:xfrm>
+          <a:prstGeom prst="rect">
+            <a:avLst/>
+          </a:prstGeom>
+          <a:noFill/>
+          <a:ln>
+            <a:noFill/>
+          </a:ln>
+          <a:extLst>
+            <a:ext uri="{909E8E84-426E-40DD-AFC4-6F175D3DCCD1}">
+              <a14:hiddenFill xmlns:a14="http://schemas.microsoft.com/office/drawing/2010/main">
+                <a:solidFill>
+                  <a:srgbClr val="FFFFFF"/>
+                </a:solidFill>
+              </a14:hiddenFill>
+            </a:ext>
+            <a:ext uri="{91240B29-F687-4F45-9708-019B960494DF}">
+              <a14:hiddenLine xmlns:a14="http://schemas.microsoft.com/office/drawing/2010/main" w="9525">
+                <a:solidFill>
+                  <a:srgbClr val="000000"/>
+                </a:solidFill>
+                <a:miter lim="800000"/>
+                <a:headEnd/>
+                <a:tailEnd/>
+              </a14:hiddenLine>
+            </a:ext>
+          </a:extLst>
+        </p:spPr>
+        <p:txBody>
+          <a:bodyPr wrap="square">
+            <a:spAutoFit/>
+          </a:bodyPr>
+          <a:lstStyle>
+            <a:lvl1pPr eaLnBrk="0" hangingPunct="0">
+              <a:defRPr sz="2400">
+                <a:solidFill>
+                  <a:schemeClr val="tx1"/>
+                </a:solidFill>
+                <a:latin typeface="Times New Roman" pitchFamily="18" charset="0"/>
+              </a:defRPr>
+            </a:lvl1pPr>
+            <a:lvl2pPr marL="742950" indent="-285750" eaLnBrk="0" hangingPunct="0">
+              <a:defRPr sz="2400">
+                <a:solidFill>
+                  <a:schemeClr val="tx1"/>
+                </a:solidFill>
+                <a:latin typeface="Times New Roman" pitchFamily="18" charset="0"/>
+              </a:defRPr>
+            </a:lvl2pPr>
+            <a:lvl3pPr marL="1143000" indent="-228600" eaLnBrk="0" hangingPunct="0">
+              <a:defRPr sz="2400">
+                <a:solidFill>
+                  <a:schemeClr val="tx1"/>
+                </a:solidFill>
+                <a:latin typeface="Times New Roman" pitchFamily="18" charset="0"/>
+              </a:defRPr>
+            </a:lvl3pPr>
+            <a:lvl4pPr marL="1600200" indent="-228600" eaLnBrk="0" hangingPunct="0">
+              <a:defRPr sz="2400">
+                <a:solidFill>
+                  <a:schemeClr val="tx1"/>
+                </a:solidFill>
+                <a:latin typeface="Times New Roman" pitchFamily="18" charset="0"/>
+              </a:defRPr>
+            </a:lvl4pPr>
+            <a:lvl5pPr marL="2057400" indent="-228600" eaLnBrk="0" hangingPunct="0">
+              <a:defRPr sz="2400">
+                <a:solidFill>
+                  <a:schemeClr val="tx1"/>
+                </a:solidFill>
+                <a:latin typeface="Times New Roman" pitchFamily="18" charset="0"/>
+              </a:defRPr>
+            </a:lvl5pPr>
+            <a:lvl6pPr marL="2514600" indent="-228600" eaLnBrk="0" fontAlgn="base" hangingPunct="0">
+              <a:spcBef>
+                <a:spcPct val="0"/>
+              </a:spcBef>
+              <a:spcAft>
+                <a:spcPct val="0"/>
+              </a:spcAft>
+              <a:defRPr sz="2400">
+                <a:solidFill>
+                  <a:schemeClr val="tx1"/>
+                </a:solidFill>
+                <a:latin typeface="Times New Roman" pitchFamily="18" charset="0"/>
+              </a:defRPr>
+            </a:lvl6pPr>
+            <a:lvl7pPr marL="2971800" indent="-228600" eaLnBrk="0" fontAlgn="base" hangingPunct="0">
+              <a:spcBef>
+                <a:spcPct val="0"/>
+              </a:spcBef>
+              <a:spcAft>
+                <a:spcPct val="0"/>
+              </a:spcAft>
+              <a:defRPr sz="2400">
+                <a:solidFill>
+                  <a:schemeClr val="tx1"/>
+                </a:solidFill>
+                <a:latin typeface="Times New Roman" pitchFamily="18" charset="0"/>
+              </a:defRPr>
+            </a:lvl7pPr>
+            <a:lvl8pPr marL="3429000" indent="-228600" eaLnBrk="0" fontAlgn="base" hangingPunct="0">
+              <a:spcBef>
+                <a:spcPct val="0"/>
+              </a:spcBef>
+              <a:spcAft>
+                <a:spcPct val="0"/>
+              </a:spcAft>
+              <a:defRPr sz="2400">
+                <a:solidFill>
+                  <a:schemeClr val="tx1"/>
+                </a:solidFill>
+                <a:latin typeface="Times New Roman" pitchFamily="18" charset="0"/>
+              </a:defRPr>
+            </a:lvl8pPr>
+            <a:lvl9pPr marL="3886200" indent="-228600" eaLnBrk="0" fontAlgn="base" hangingPunct="0">
+              <a:spcBef>
+                <a:spcPct val="0"/>
+              </a:spcBef>
+              <a:spcAft>
+                <a:spcPct val="0"/>
+              </a:spcAft>
+              <a:defRPr sz="2400">
+                <a:solidFill>
+                  <a:schemeClr val="tx1"/>
+                </a:solidFill>
+                <a:latin typeface="Times New Roman" pitchFamily="18" charset="0"/>
+              </a:defRPr>
+            </a:lvl9pPr>
+          </a:lstStyle>
           <a:p>
-            <a:pPr lvl="0">
+            <a:pPr marL="342900" indent="-342900">
               <a:lnSpc>
                 <a:spcPct val="150000"/>
               </a:lnSpc>
+              <a:buFont typeface="+mj-lt"/>
+              <a:buAutoNum type="arabicPeriod"/>
             </a:pPr>
             <a:r>
-              <a:rPr lang="es-ES" b="1" dirty="0"/>
-              <a:t>User01</a:t>
-            </a:r>
-            <a:r>
-              <a:rPr lang="es-ES" dirty="0"/>
-              <a:t> acceso web a </a:t>
-            </a:r>
-            <a:r>
-              <a:rPr lang="es-ES" b="1" dirty="0" err="1"/>
-              <a:t>ServerLocal</a:t>
-            </a:r>
-            <a:r>
-              <a:rPr lang="es-ES" b="1" dirty="0"/>
-              <a:t> (192.168.0.145)</a:t>
-            </a:r>
-            <a:endParaRPr lang="es-MX" b="1" dirty="0"/>
+              <a:rPr lang="es-MX" sz="1800" dirty="0">
+                <a:solidFill>
+                  <a:schemeClr val="bg2">
+                    <a:lumMod val="25000"/>
+                  </a:schemeClr>
+                </a:solidFill>
+                <a:latin typeface="Arial" panose="020B0604020202020204" pitchFamily="34" charset="0"/>
+                <a:cs typeface="Arial" panose="020B0604020202020204" pitchFamily="34" charset="0"/>
+              </a:rPr>
+              <a:t>Probar el servicio de</a:t>
+            </a:r>
+            <a:r>
+              <a:rPr lang="es-MX" sz="1800" b="1" dirty="0">
+                <a:solidFill>
+                  <a:schemeClr val="bg2">
+                    <a:lumMod val="25000"/>
+                  </a:schemeClr>
+                </a:solidFill>
+                <a:latin typeface="Arial" panose="020B0604020202020204" pitchFamily="34" charset="0"/>
+                <a:cs typeface="Arial" panose="020B0604020202020204" pitchFamily="34" charset="0"/>
+              </a:rPr>
+              <a:t> DHCP</a:t>
+            </a:r>
+            <a:r>
+              <a:rPr lang="es-MX" sz="1800" dirty="0">
+                <a:solidFill>
+                  <a:schemeClr val="bg2">
+                    <a:lumMod val="25000"/>
+                  </a:schemeClr>
+                </a:solidFill>
+                <a:latin typeface="Arial" panose="020B0604020202020204" pitchFamily="34" charset="0"/>
+                <a:cs typeface="Arial" panose="020B0604020202020204" pitchFamily="34" charset="0"/>
+              </a:rPr>
+              <a:t>.</a:t>
+            </a:r>
           </a:p>
           <a:p>
-            <a:pPr lvl="0">
+            <a:pPr marL="342900" indent="-342900">
               <a:lnSpc>
                 <a:spcPct val="150000"/>
               </a:lnSpc>
+              <a:buFont typeface="+mj-lt"/>
+              <a:buAutoNum type="arabicPeriod"/>
             </a:pPr>
             <a:r>
-              <a:rPr lang="es-ES" b="1" dirty="0"/>
-              <a:t>User01</a:t>
-            </a:r>
-            <a:r>
-              <a:rPr lang="es-ES" dirty="0"/>
-              <a:t> acceso web a </a:t>
-            </a:r>
-            <a:r>
-              <a:rPr lang="es-ES" b="1" dirty="0" err="1"/>
-              <a:t>WEBcam</a:t>
-            </a:r>
-            <a:r>
-              <a:rPr lang="es-ES" dirty="0"/>
-              <a:t> (</a:t>
-            </a:r>
-            <a:r>
-              <a:rPr lang="es-ES" b="1" dirty="0"/>
-              <a:t>192.168.0.130)</a:t>
-            </a:r>
-            <a:endParaRPr lang="es-MX" dirty="0"/>
+              <a:rPr lang="es-MX" sz="1800" dirty="0">
+                <a:solidFill>
+                  <a:schemeClr val="bg2">
+                    <a:lumMod val="25000"/>
+                  </a:schemeClr>
+                </a:solidFill>
+                <a:latin typeface="Arial" panose="020B0604020202020204" pitchFamily="34" charset="0"/>
+                <a:cs typeface="Arial" panose="020B0604020202020204" pitchFamily="34" charset="0"/>
+              </a:rPr>
+              <a:t>Probar la conectividad interna: </a:t>
+            </a:r>
+            <a:r>
+              <a:rPr lang="es-MX" sz="1800" b="1" dirty="0">
+                <a:solidFill>
+                  <a:schemeClr val="bg2">
+                    <a:lumMod val="25000"/>
+                  </a:schemeClr>
+                </a:solidFill>
+                <a:latin typeface="Arial" panose="020B0604020202020204" pitchFamily="34" charset="0"/>
+                <a:cs typeface="Arial" panose="020B0604020202020204" pitchFamily="34" charset="0"/>
+              </a:rPr>
+              <a:t>interconexión entre </a:t>
+            </a:r>
+            <a:r>
+              <a:rPr lang="es-MX" sz="1800" b="1" dirty="0" err="1">
+                <a:solidFill>
+                  <a:schemeClr val="bg2">
+                    <a:lumMod val="25000"/>
+                  </a:schemeClr>
+                </a:solidFill>
+                <a:latin typeface="Arial" panose="020B0604020202020204" pitchFamily="34" charset="0"/>
+                <a:cs typeface="Arial" panose="020B0604020202020204" pitchFamily="34" charset="0"/>
+              </a:rPr>
+              <a:t>VLANs</a:t>
+            </a:r>
+            <a:r>
+              <a:rPr lang="es-MX" sz="1800" dirty="0">
+                <a:solidFill>
+                  <a:schemeClr val="bg2">
+                    <a:lumMod val="25000"/>
+                  </a:schemeClr>
+                </a:solidFill>
+                <a:latin typeface="Arial" panose="020B0604020202020204" pitchFamily="34" charset="0"/>
+                <a:cs typeface="Arial" panose="020B0604020202020204" pitchFamily="34" charset="0"/>
+              </a:rPr>
+              <a:t>.</a:t>
+            </a:r>
           </a:p>
           <a:p>
-            <a:pPr lvl="0">
+            <a:pPr lvl="1">
               <a:lnSpc>
                 <a:spcPct val="150000"/>
               </a:lnSpc>
+              <a:buFont typeface="Arial" panose="020B0604020202020204" pitchFamily="34" charset="0"/>
+              <a:buChar char="•"/>
             </a:pPr>
             <a:r>
-              <a:rPr lang="es-ES" b="1" dirty="0"/>
+              <a:rPr lang="es-ES" sz="1800" b="1" dirty="0">
+                <a:latin typeface="+mn-lt"/>
+              </a:rPr>
               <a:t>User01</a:t>
             </a:r>
             <a:r>
-              <a:rPr lang="es-ES" dirty="0"/>
+              <a:rPr lang="es-ES" sz="1800" dirty="0">
+                <a:latin typeface="+mn-lt"/>
+              </a:rPr>
               <a:t> acceso web a </a:t>
             </a:r>
             <a:r>
-              <a:rPr lang="es-ES" b="1" dirty="0"/>
+              <a:rPr lang="es-ES" sz="1800" b="1" dirty="0" err="1">
+                <a:latin typeface="+mn-lt"/>
+              </a:rPr>
+              <a:t>SCompany</a:t>
+            </a:r>
+            <a:r>
+              <a:rPr lang="es-ES" sz="1800" b="1" dirty="0">
+                <a:latin typeface="+mn-lt"/>
+              </a:rPr>
+              <a:t> (192.168.1.153)</a:t>
+            </a:r>
+            <a:endParaRPr lang="es-MX" sz="1800" b="1" dirty="0">
+              <a:latin typeface="+mn-lt"/>
+            </a:endParaRPr>
+          </a:p>
+          <a:p>
+            <a:pPr lvl="1">
+              <a:lnSpc>
+                <a:spcPct val="150000"/>
+              </a:lnSpc>
+              <a:buFont typeface="Arial" panose="020B0604020202020204" pitchFamily="34" charset="0"/>
+              <a:buChar char="•"/>
+            </a:pPr>
+            <a:r>
+              <a:rPr lang="es-ES" sz="1800" b="1" dirty="0">
+                <a:latin typeface="+mn-lt"/>
+              </a:rPr>
+              <a:t>User01</a:t>
+            </a:r>
+            <a:r>
+              <a:rPr lang="es-ES" sz="1800" dirty="0">
+                <a:latin typeface="+mn-lt"/>
+              </a:rPr>
+              <a:t> acceso web a </a:t>
+            </a:r>
+            <a:r>
+              <a:rPr lang="es-ES" sz="1800" b="1" dirty="0" err="1">
+                <a:latin typeface="+mn-lt"/>
+              </a:rPr>
+              <a:t>ServerLocal</a:t>
+            </a:r>
+            <a:r>
+              <a:rPr lang="es-ES" sz="1800" b="1" dirty="0">
+                <a:latin typeface="+mn-lt"/>
+              </a:rPr>
+              <a:t> (192.168.1.145)</a:t>
+            </a:r>
+            <a:endParaRPr lang="es-MX" sz="1800" b="1" dirty="0">
+              <a:latin typeface="+mn-lt"/>
+            </a:endParaRPr>
+          </a:p>
+          <a:p>
+            <a:pPr lvl="1">
+              <a:lnSpc>
+                <a:spcPct val="150000"/>
+              </a:lnSpc>
+              <a:buFont typeface="Arial" panose="020B0604020202020204" pitchFamily="34" charset="0"/>
+              <a:buChar char="•"/>
+            </a:pPr>
+            <a:r>
+              <a:rPr lang="es-ES" sz="1800" b="1" dirty="0">
+                <a:latin typeface="+mn-lt"/>
+              </a:rPr>
+              <a:t>User01</a:t>
+            </a:r>
+            <a:r>
+              <a:rPr lang="es-ES" sz="1800" dirty="0">
+                <a:latin typeface="+mn-lt"/>
+              </a:rPr>
+              <a:t> acceso web a </a:t>
+            </a:r>
+            <a:r>
+              <a:rPr lang="es-ES" sz="1800" b="1" dirty="0" err="1">
+                <a:latin typeface="+mn-lt"/>
+              </a:rPr>
+              <a:t>WEBcam</a:t>
+            </a:r>
+            <a:r>
+              <a:rPr lang="es-ES" sz="1800" dirty="0">
+                <a:latin typeface="+mn-lt"/>
+              </a:rPr>
+              <a:t> (</a:t>
+            </a:r>
+            <a:r>
+              <a:rPr lang="es-ES" sz="1800" b="1" dirty="0">
+                <a:latin typeface="+mn-lt"/>
+              </a:rPr>
+              <a:t>192.168.1.130)</a:t>
+            </a:r>
+            <a:endParaRPr lang="es-MX" sz="1800" dirty="0">
+              <a:latin typeface="+mn-lt"/>
+            </a:endParaRPr>
+          </a:p>
+          <a:p>
+            <a:pPr marL="342900" indent="-342900">
+              <a:lnSpc>
+                <a:spcPct val="150000"/>
+              </a:lnSpc>
+              <a:spcBef>
+                <a:spcPts val="600"/>
+              </a:spcBef>
+              <a:buFont typeface="+mj-lt"/>
+              <a:buAutoNum type="arabicPeriod"/>
+            </a:pPr>
+            <a:r>
+              <a:rPr lang="es-MX" sz="1800" dirty="0">
+                <a:solidFill>
+                  <a:schemeClr val="bg2">
+                    <a:lumMod val="25000"/>
+                  </a:schemeClr>
+                </a:solidFill>
+                <a:latin typeface="Arial" panose="020B0604020202020204" pitchFamily="34" charset="0"/>
+                <a:cs typeface="Arial" panose="020B0604020202020204" pitchFamily="34" charset="0"/>
+              </a:rPr>
+              <a:t>Probar la conectividad hacia el exterior.</a:t>
+            </a:r>
+          </a:p>
+          <a:p>
+            <a:pPr marL="719138" lvl="1" indent="-273050">
+              <a:lnSpc>
+                <a:spcPct val="150000"/>
+              </a:lnSpc>
+              <a:buFont typeface="Arial" panose="020B0604020202020204" pitchFamily="34" charset="0"/>
+              <a:buChar char="•"/>
+            </a:pPr>
+            <a:r>
+              <a:rPr lang="es-ES" sz="1800" b="1" dirty="0">
+                <a:latin typeface="+mn-lt"/>
+              </a:rPr>
+              <a:t>User01</a:t>
+            </a:r>
+            <a:r>
+              <a:rPr lang="es-ES" sz="1800" dirty="0">
+                <a:latin typeface="+mn-lt"/>
+              </a:rPr>
+              <a:t> acceso web a </a:t>
+            </a:r>
+            <a:r>
+              <a:rPr lang="es-ES" sz="1800" b="1" dirty="0">
+                <a:latin typeface="+mn-lt"/>
+              </a:rPr>
               <a:t>Server CNN (151.101.193.65)</a:t>
             </a:r>
-            <a:endParaRPr lang="es-MX" b="1" dirty="0"/>
+          </a:p>
+          <a:p>
+            <a:pPr marL="342900" indent="-342900">
+              <a:lnSpc>
+                <a:spcPct val="150000"/>
+              </a:lnSpc>
+              <a:spcBef>
+                <a:spcPts val="600"/>
+              </a:spcBef>
+              <a:buFont typeface="+mj-lt"/>
+              <a:buAutoNum type="arabicPeriod"/>
+            </a:pPr>
+            <a:r>
+              <a:rPr lang="es-MX" sz="1800" dirty="0">
+                <a:solidFill>
+                  <a:schemeClr val="bg2">
+                    <a:lumMod val="25000"/>
+                  </a:schemeClr>
+                </a:solidFill>
+                <a:latin typeface="Arial" panose="020B0604020202020204" pitchFamily="34" charset="0"/>
+                <a:cs typeface="Arial" panose="020B0604020202020204" pitchFamily="34" charset="0"/>
+              </a:rPr>
+              <a:t>Probar la conectividad desde el exterior hacia la red local.</a:t>
+            </a:r>
+          </a:p>
+          <a:p>
+            <a:pPr marL="719138" lvl="1" indent="-273050">
+              <a:lnSpc>
+                <a:spcPct val="150000"/>
+              </a:lnSpc>
+              <a:buFont typeface="Arial" panose="020B0604020202020204" pitchFamily="34" charset="0"/>
+              <a:buChar char="•"/>
+            </a:pPr>
+            <a:r>
+              <a:rPr lang="es-ES" sz="1800" b="1" dirty="0">
+                <a:latin typeface="+mn-lt"/>
+              </a:rPr>
+              <a:t>CNN </a:t>
+            </a:r>
+            <a:r>
+              <a:rPr lang="es-ES" sz="1800" dirty="0">
+                <a:latin typeface="+mn-lt"/>
+              </a:rPr>
+              <a:t>acceso web</a:t>
+            </a:r>
+            <a:r>
+              <a:rPr lang="es-ES" sz="1800" b="1" dirty="0">
+                <a:latin typeface="+mn-lt"/>
+              </a:rPr>
+              <a:t> </a:t>
+            </a:r>
+            <a:r>
+              <a:rPr lang="es-ES" sz="1800" dirty="0">
+                <a:latin typeface="+mn-lt"/>
+              </a:rPr>
+              <a:t>a</a:t>
+            </a:r>
+            <a:r>
+              <a:rPr lang="es-ES" sz="1800" b="1" dirty="0">
+                <a:latin typeface="+mn-lt"/>
+              </a:rPr>
+              <a:t> </a:t>
+            </a:r>
+            <a:r>
+              <a:rPr lang="es-ES" sz="1800" b="1" dirty="0" err="1">
+                <a:latin typeface="+mn-lt"/>
+              </a:rPr>
+              <a:t>ServerLocal</a:t>
+            </a:r>
+            <a:r>
+              <a:rPr lang="es-ES" sz="1800" b="1" dirty="0">
+                <a:latin typeface="+mn-lt"/>
+              </a:rPr>
+              <a:t> (192.168.1.145)</a:t>
+            </a:r>
+            <a:endParaRPr lang="es-MX" sz="1800" b="1" dirty="0">
+              <a:latin typeface="+mn-lt"/>
+            </a:endParaRPr>
+          </a:p>
+          <a:p>
+            <a:pPr marL="719138" lvl="1" indent="-273050">
+              <a:lnSpc>
+                <a:spcPct val="150000"/>
+              </a:lnSpc>
+              <a:buFont typeface="Arial" panose="020B0604020202020204" pitchFamily="34" charset="0"/>
+              <a:buChar char="•"/>
+            </a:pPr>
+            <a:r>
+              <a:rPr lang="es-ES" sz="1800" b="1" dirty="0">
+                <a:latin typeface="+mn-lt"/>
+              </a:rPr>
+              <a:t>CNN</a:t>
+            </a:r>
+            <a:r>
+              <a:rPr lang="es-ES" sz="1800" dirty="0">
+                <a:latin typeface="+mn-lt"/>
+              </a:rPr>
+              <a:t> acceso web a </a:t>
+            </a:r>
+            <a:r>
+              <a:rPr lang="es-ES" sz="1800" b="1" dirty="0" err="1">
+                <a:latin typeface="+mn-lt"/>
+              </a:rPr>
+              <a:t>WEBcam</a:t>
+            </a:r>
+            <a:r>
+              <a:rPr lang="es-ES" sz="1800" dirty="0">
+                <a:latin typeface="+mn-lt"/>
+              </a:rPr>
+              <a:t> (</a:t>
+            </a:r>
+            <a:r>
+              <a:rPr lang="es-ES" sz="1800" b="1" dirty="0">
+                <a:latin typeface="+mn-lt"/>
+              </a:rPr>
+              <a:t>192.168.1.130)</a:t>
+            </a:r>
+            <a:endParaRPr lang="es-MX" sz="1800" dirty="0">
+              <a:latin typeface="+mn-lt"/>
+            </a:endParaRPr>
+          </a:p>
+          <a:p>
+            <a:pPr marL="342900" indent="-342900">
+              <a:lnSpc>
+                <a:spcPct val="150000"/>
+              </a:lnSpc>
+              <a:buFont typeface="+mj-lt"/>
+              <a:buAutoNum type="arabicPeriod"/>
+            </a:pPr>
+            <a:endParaRPr lang="es-MX" sz="1800" dirty="0">
+              <a:solidFill>
+                <a:schemeClr val="bg2">
+                  <a:lumMod val="25000"/>
+                </a:schemeClr>
+              </a:solidFill>
+              <a:latin typeface="Arial" panose="020B0604020202020204" pitchFamily="34" charset="0"/>
+              <a:cs typeface="Arial" panose="020B0604020202020204" pitchFamily="34" charset="0"/>
+            </a:endParaRPr>
+          </a:p>
+        </p:txBody>
+      </p:sp>
+      <p:sp>
+        <p:nvSpPr>
+          <p:cNvPr id="8" name="Rectangle 2"/>
+          <p:cNvSpPr txBox="1">
+            <a:spLocks noChangeArrowheads="1"/>
+          </p:cNvSpPr>
+          <p:nvPr/>
+        </p:nvSpPr>
+        <p:spPr>
+          <a:xfrm>
+            <a:off x="1524000" y="76200"/>
+            <a:ext cx="8892480" cy="1143000"/>
+          </a:xfrm>
+          <a:prstGeom prst="rect">
+            <a:avLst/>
+          </a:prstGeom>
+        </p:spPr>
+        <p:txBody>
+          <a:bodyPr vert="horz" lIns="92075" tIns="46038" rIns="92075" bIns="46038" rtlCol="0" anchor="ctr">
+            <a:noAutofit/>
+          </a:bodyPr>
+          <a:lstStyle>
+            <a:lvl1pPr algn="ctr" defTabSz="914400" rtl="0" eaLnBrk="1" latinLnBrk="0" hangingPunct="1">
+              <a:spcBef>
+                <a:spcPct val="0"/>
+              </a:spcBef>
+              <a:buNone/>
+              <a:defRPr sz="4400" kern="1200">
+                <a:solidFill>
+                  <a:schemeClr val="tx1"/>
+                </a:solidFill>
+                <a:latin typeface="+mj-lt"/>
+                <a:ea typeface="+mj-ea"/>
+                <a:cs typeface="+mj-cs"/>
+              </a:defRPr>
+            </a:lvl1pPr>
+          </a:lstStyle>
+          <a:p>
+            <a:pPr>
+              <a:defRPr/>
+            </a:pPr>
+            <a:r>
+              <a:rPr lang="es-ES_tradnl" sz="3200" dirty="0">
+                <a:solidFill>
+                  <a:srgbClr val="3333CC"/>
+                </a:solidFill>
+                <a:effectLst>
+                  <a:outerShdw blurRad="38100" dist="38100" dir="2700000" algn="tl">
+                    <a:srgbClr val="C0C0C0"/>
+                  </a:outerShdw>
+                </a:effectLst>
+                <a:latin typeface="Dom Casual" charset="0"/>
+              </a:rPr>
+              <a:t> </a:t>
+            </a:r>
+            <a:r>
+              <a:rPr lang="es-ES_tradnl" sz="3200" b="1" dirty="0">
+                <a:solidFill>
+                  <a:schemeClr val="accent4">
+                    <a:lumMod val="50000"/>
+                  </a:schemeClr>
+                </a:solidFill>
+                <a:effectLst>
+                  <a:outerShdw blurRad="38100" dist="38100" dir="2700000" algn="tl">
+                    <a:srgbClr val="C0C0C0"/>
+                  </a:outerShdw>
+                </a:effectLst>
+                <a:latin typeface="Dom Casual" charset="0"/>
+              </a:rPr>
+              <a:t>Pruebas de conectividad</a:t>
+            </a:r>
           </a:p>
         </p:txBody>
       </p:sp>
@@ -10867,7 +11410,7 @@
         <p:spPr>
           <a:xfrm>
             <a:off x="939495" y="1736242"/>
-            <a:ext cx="10473055" cy="2489835"/>
+            <a:ext cx="10473055" cy="2585323"/>
           </a:xfrm>
           <a:prstGeom prst="rect">
             <a:avLst/>
@@ -12271,88 +12814,46 @@
               <a:t> </a:t>
             </a:r>
             <a:r>
-              <a:rPr sz="2800" spc="-20" dirty="0">
+              <a:rPr sz="2800" spc="-20" dirty="0" err="1">
                 <a:latin typeface="Calibri"/>
                 <a:cs typeface="Calibri"/>
               </a:rPr>
               <a:t>des</a:t>
             </a:r>
             <a:r>
-              <a:rPr sz="2800" spc="-5" dirty="0">
+              <a:rPr sz="2800" spc="-5" dirty="0" err="1">
                 <a:latin typeface="Calibri"/>
                 <a:cs typeface="Calibri"/>
               </a:rPr>
               <a:t>d</a:t>
             </a:r>
             <a:r>
+              <a:rPr sz="2800" spc="-15" dirty="0" err="1">
+                <a:latin typeface="Calibri"/>
+                <a:cs typeface="Calibri"/>
+              </a:rPr>
+              <a:t>e</a:t>
+            </a:r>
+            <a:r>
+              <a:rPr sz="2800" dirty="0">
+                <a:latin typeface="Calibri"/>
+                <a:cs typeface="Calibri"/>
+              </a:rPr>
+              <a:t> </a:t>
+            </a:r>
+            <a:r>
               <a:rPr sz="2800" spc="-15" dirty="0">
                 <a:latin typeface="Calibri"/>
                 <a:cs typeface="Calibri"/>
               </a:rPr>
-              <a:t>e</a:t>
-            </a:r>
-            <a:r>
-              <a:rPr sz="2800" dirty="0">
-                <a:latin typeface="Calibri"/>
-                <a:cs typeface="Calibri"/>
-              </a:rPr>
-              <a:t> </a:t>
-            </a:r>
-            <a:r>
-              <a:rPr sz="2800" spc="-15" dirty="0">
-                <a:latin typeface="Calibri"/>
-                <a:cs typeface="Calibri"/>
-              </a:rPr>
-              <a:t> espacios</a:t>
-            </a:r>
-            <a:r>
-              <a:rPr sz="2800" spc="-10" dirty="0">
-                <a:latin typeface="Calibri"/>
-                <a:cs typeface="Calibri"/>
-              </a:rPr>
-              <a:t> </a:t>
-            </a:r>
-            <a:r>
-              <a:rPr sz="2800" dirty="0">
-                <a:latin typeface="Calibri"/>
-                <a:cs typeface="Calibri"/>
-              </a:rPr>
-              <a:t>l</a:t>
-            </a:r>
-            <a:r>
-              <a:rPr sz="2800" spc="-15" dirty="0">
-                <a:latin typeface="Calibri"/>
-                <a:cs typeface="Calibri"/>
-              </a:rPr>
-              <a:t>i</a:t>
-            </a:r>
-            <a:r>
-              <a:rPr sz="2800" spc="-20" dirty="0">
-                <a:latin typeface="Calibri"/>
-                <a:cs typeface="Calibri"/>
-              </a:rPr>
-              <a:t>b</a:t>
-            </a:r>
-            <a:r>
-              <a:rPr sz="2800" spc="-55" dirty="0">
-                <a:latin typeface="Calibri"/>
-                <a:cs typeface="Calibri"/>
-              </a:rPr>
-              <a:t>r</a:t>
-            </a:r>
-            <a:r>
-              <a:rPr sz="2800" spc="-10" dirty="0">
-                <a:latin typeface="Calibri"/>
-                <a:cs typeface="Calibri"/>
-              </a:rPr>
-              <a:t>e</a:t>
-            </a:r>
-            <a:r>
-              <a:rPr sz="2800" spc="-15" dirty="0">
-                <a:latin typeface="Calibri"/>
-                <a:cs typeface="Calibri"/>
-              </a:rPr>
-              <a:t>s</a:t>
+              <a:t> </a:t>
+            </a:r>
+            <a:r>
+              <a:rPr sz="2800" spc="-15" dirty="0" err="1">
+                <a:latin typeface="Calibri"/>
+                <a:cs typeface="Calibri"/>
+              </a:rPr>
+              <a:t>espacios</a:t>
             </a:r>
             <a:r>
               <a:rPr sz="2800" spc="215" dirty="0">
@@ -14490,7 +14991,7 @@
         </p:nvSpPr>
         <p:spPr>
           <a:xfrm>
-            <a:off x="1287271" y="1839976"/>
+            <a:off x="1287269" y="1432011"/>
             <a:ext cx="9617455" cy="2154436"/>
           </a:xfrm>
           <a:prstGeom prst="rect">
@@ -15144,6 +15645,20 @@
                 <a:cs typeface="Calibri"/>
               </a:rPr>
               <a:t>VLANs</a:t>
+            </a:r>
+            <a:r>
+              <a:rPr lang="es-ES" spc="-15" dirty="0">
+                <a:latin typeface="Calibri"/>
+                <a:cs typeface="Calibri"/>
+              </a:rPr>
+              <a:t>,</a:t>
+            </a:r>
+            <a:r>
+              <a:rPr lang="es-ES" b="1" spc="-15" dirty="0">
+                <a:latin typeface="Calibri"/>
+                <a:cs typeface="Calibri"/>
+              </a:rPr>
+              <a:t> rutas estáticas</a:t>
             </a:r>
             <a:r>
               <a:rPr b="1" spc="-10" dirty="0">
@@ -15393,7 +15908,7 @@
         </p:nvSpPr>
         <p:spPr>
           <a:xfrm>
-            <a:off x="3504438" y="685800"/>
+            <a:off x="3504436" y="457200"/>
             <a:ext cx="5183123" cy="553998"/>
           </a:xfrm>
           <a:prstGeom prst="rect">
@@ -15542,7 +16057,7 @@
         </p:blipFill>
         <p:spPr>
           <a:xfrm>
-            <a:off x="7766671" y="3994412"/>
+            <a:off x="7755124" y="3886200"/>
             <a:ext cx="3149600" cy="2362200"/>
           </a:xfrm>
           <a:prstGeom prst="rect">
@@ -15575,6 +16090,36 @@
           <a:chExt cx="0" cy="0"/>
         </a:xfrm>
       </p:grpSpPr>
+      <p:pic>
+        <p:nvPicPr>
+          <p:cNvPr id="10" name="Imagen 9">
+            <a:extLst>
+              <a:ext uri="{FF2B5EF4-FFF2-40B4-BE49-F238E27FC236}">
+                <a16:creationId xmlns:a16="http://schemas.microsoft.com/office/drawing/2014/main" id="{52046E05-C6D1-4999-96B4-BB5012BAB492}"/>
+              </a:ext>
+            </a:extLst>
+          </p:cNvPr>
+          <p:cNvPicPr>
+            <a:picLocks noChangeAspect="1"/>
+          </p:cNvPicPr>
+          <p:nvPr/>
+        </p:nvPicPr>
+        <p:blipFill>
+          <a:blip r:embed="rId3"/>
+          <a:stretch>
+            <a:fillRect/>
+          </a:stretch>
+        </p:blipFill>
+        <p:spPr>
+          <a:xfrm>
+            <a:off x="1437005" y="1295401"/>
+            <a:ext cx="9154796" cy="5197718"/>
+          </a:xfrm>
+          <a:prstGeom prst="rect">
+            <a:avLst/>
+          </a:prstGeom>
+        </p:spPr>
+      </p:pic>
       <p:sp>
         <p:nvSpPr>
           <p:cNvPr id="2" name="object 2"/>
@@ -15759,35 +16304,6 @@
       </p:sp>
       <p:sp>
         <p:nvSpPr>
-          <p:cNvPr id="3" name="object 3"/>
-          <p:cNvSpPr/>
-          <p:nvPr/>
-        </p:nvSpPr>
-        <p:spPr>
-          <a:xfrm>
-            <a:off x="698372" y="1143000"/>
-            <a:ext cx="10795254" cy="5562600"/>
-          </a:xfrm>
-          <a:prstGeom prst="rect">
-            <a:avLst/>
-          </a:prstGeom>
-          <a:blipFill>
-            <a:blip r:embed="rId3" cstate="print"/>
-            <a:stretch>
-              <a:fillRect/>
-            </a:stretch>
-          </a:blipFill>
-        </p:spPr>
-        <p:txBody>
-          <a:bodyPr wrap="square" lIns="0" tIns="0" rIns="0" bIns="0" rtlCol="0"/>
-          <a:lstStyle/>
-          <a:p>
-            <a:endParaRPr dirty="0"/>
-          </a:p>
-        </p:txBody>
-      </p:sp>
-      <p:sp>
-        <p:nvSpPr>
           <p:cNvPr id="5" name="CuadroTexto 4">
             <a:extLst>
               <a:ext uri="{FF2B5EF4-FFF2-40B4-BE49-F238E27FC236}">
@@ -15800,7 +16316,7 @@
         </p:nvSpPr>
         <p:spPr>
           <a:xfrm>
-            <a:off x="4741513" y="1621299"/>
+            <a:off x="5638800" y="1167950"/>
             <a:ext cx="1676400" cy="307777"/>
           </a:xfrm>
           <a:prstGeom prst="rect">
@@ -15836,7 +16352,7 @@
         </p:nvSpPr>
         <p:spPr>
           <a:xfrm>
-            <a:off x="5245227" y="2361773"/>
+            <a:off x="5562599" y="1849116"/>
             <a:ext cx="668973" cy="307777"/>
           </a:xfrm>
           <a:prstGeom prst="rect">
@@ -15872,7 +16388,7 @@
         </p:nvSpPr>
         <p:spPr>
           <a:xfrm>
-            <a:off x="6290236" y="1986818"/>
+            <a:off x="6684326" y="1857619"/>
             <a:ext cx="554673" cy="307777"/>
           </a:xfrm>
           <a:prstGeom prst="rect">
@@ -15927,8 +16443,8 @@
         </p:nvSpPr>
         <p:spPr>
           <a:xfrm>
-            <a:off x="783771" y="1676400"/>
-            <a:ext cx="11053119" cy="3126240"/>
+            <a:off x="775995" y="1429544"/>
+            <a:ext cx="11053119" cy="3510961"/>
           </a:xfrm>
           <a:prstGeom prst="rect">
             <a:avLst/>
@@ -17366,7 +17882,7 @@
                 <a:latin typeface="Calibri"/>
                 <a:cs typeface="Calibri"/>
               </a:rPr>
-              <a:t>ruta estática por default</a:t>
+              <a:t>ruta por default</a:t>
             </a:r>
             <a:r>
               <a:rPr lang="es-ES" sz="2000" spc="-20" dirty="0">
@@ -17374,6 +17890,39 @@
                 <a:cs typeface="Calibri"/>
               </a:rPr>
               <a:t>. </a:t>
+            </a:r>
+          </a:p>
+          <a:p>
+            <a:pPr marL="469900" marR="6350" indent="-457200">
+              <a:lnSpc>
+                <a:spcPts val="3000"/>
+              </a:lnSpc>
+              <a:buFont typeface="+mj-lt"/>
+              <a:buAutoNum type="arabicPeriod"/>
+              <a:tabLst>
+                <a:tab pos="314960" algn="l"/>
+              </a:tabLst>
+            </a:pPr>
+            <a:r>
+              <a:rPr lang="es-ES" sz="2000" spc="-20" dirty="0">
+                <a:latin typeface="Calibri"/>
+                <a:cs typeface="Calibri"/>
+              </a:rPr>
+              <a:t>Debemos configurar rutas estáticas en el </a:t>
+            </a:r>
+            <a:r>
+              <a:rPr lang="es-ES" sz="2000" b="1" spc="-20" dirty="0">
+                <a:latin typeface="Calibri"/>
+                <a:cs typeface="Calibri"/>
+              </a:rPr>
+              <a:t>ISP</a:t>
+            </a:r>
+            <a:r>
+              <a:rPr lang="es-ES" sz="2000" spc="-20" dirty="0">
+                <a:latin typeface="Calibri"/>
+                <a:cs typeface="Calibri"/>
+              </a:rPr>
+              <a:t> para que se pueda conectar con la red local.</a:t>
             </a:r>
           </a:p>
           <a:p>
@@ -17659,7 +18208,7 @@
         </p:blipFill>
         <p:spPr>
           <a:xfrm>
-            <a:off x="8933544" y="4495800"/>
+            <a:off x="8930434" y="4689022"/>
             <a:ext cx="2485571" cy="1864178"/>
           </a:xfrm>
           <a:prstGeom prst="rect">
@@ -17694,10 +18243,10 @@
       </p:grpSpPr>
       <p:pic>
         <p:nvPicPr>
-          <p:cNvPr id="5" name="Imagen 4">
+          <p:cNvPr id="4" name="Imagen 3">
             <a:extLst>
               <a:ext uri="{FF2B5EF4-FFF2-40B4-BE49-F238E27FC236}">
-                <a16:creationId xmlns:a16="http://schemas.microsoft.com/office/drawing/2014/main" id="{1BFA3323-28D7-4690-BD41-16F21058C3BE}"/>
+                <a16:creationId xmlns:a16="http://schemas.microsoft.com/office/drawing/2014/main" id="{563C1C54-5D83-44FD-B139-597B7716E0A7}"/>
               </a:ext>
             </a:extLst>
           </p:cNvPr>
@@ -17714,8 +18263,8 @@
         </p:blipFill>
         <p:spPr>
           <a:xfrm>
-            <a:off x="3417234" y="2209800"/>
-            <a:ext cx="8201025" cy="4441590"/>
+            <a:off x="4114800" y="2286000"/>
+            <a:ext cx="6979016" cy="3962400"/>
           </a:xfrm>
           <a:prstGeom prst="rect">
             <a:avLst/>
@@ -17988,7 +18537,33 @@
                 <a:latin typeface="Arial" panose="020B0604020202020204" pitchFamily="34" charset="0"/>
                 <a:cs typeface="Arial" panose="020B0604020202020204" pitchFamily="34" charset="0"/>
               </a:rPr>
-              <a:t>La subred de los usuarios (VLAN 20) es a la única a la que se le asignarán direcciones IP dinámicas.</a:t>
+              <a:t>La subred de los usuarios (</a:t>
+            </a:r>
+            <a:r>
+              <a:rPr lang="es-ES_tradnl" sz="1600" b="1" dirty="0">
+                <a:solidFill>
+                  <a:schemeClr val="tx1">
+                    <a:lumMod val="95000"/>
+                    <a:lumOff val="5000"/>
+                  </a:schemeClr>
+                </a:solidFill>
+                <a:latin typeface="Arial" panose="020B0604020202020204" pitchFamily="34" charset="0"/>
+                <a:cs typeface="Arial" panose="020B0604020202020204" pitchFamily="34" charset="0"/>
+              </a:rPr>
+              <a:t>VLAN 20</a:t>
+            </a:r>
+            <a:r>
+              <a:rPr lang="es-ES_tradnl" sz="1600" dirty="0">
+                <a:solidFill>
+                  <a:schemeClr val="tx1">
+                    <a:lumMod val="95000"/>
+                    <a:lumOff val="5000"/>
+                  </a:schemeClr>
+                </a:solidFill>
+                <a:latin typeface="Arial" panose="020B0604020202020204" pitchFamily="34" charset="0"/>
+                <a:cs typeface="Arial" panose="020B0604020202020204" pitchFamily="34" charset="0"/>
+              </a:rPr>
+              <a:t>) es a la única a la que se le asignarán direcciones IP dinámicas.</a:t>
             </a:r>
           </a:p>
           <a:p>
@@ -18943,6 +19518,36 @@
           <a:chExt cx="0" cy="0"/>
         </a:xfrm>
       </p:grpSpPr>
+      <p:pic>
+        <p:nvPicPr>
+          <p:cNvPr id="17" name="Imagen 16">
+            <a:extLst>
+              <a:ext uri="{FF2B5EF4-FFF2-40B4-BE49-F238E27FC236}">
+                <a16:creationId xmlns:a16="http://schemas.microsoft.com/office/drawing/2014/main" id="{11399008-B6DC-439E-94C0-0C16FB735D80}"/>
+              </a:ext>
+            </a:extLst>
+          </p:cNvPr>
+          <p:cNvPicPr>
+            <a:picLocks noChangeAspect="1"/>
+          </p:cNvPicPr>
+          <p:nvPr/>
+        </p:nvPicPr>
+        <p:blipFill>
+          <a:blip r:embed="rId3"/>
+          <a:stretch>
+            <a:fillRect/>
+          </a:stretch>
+        </p:blipFill>
+        <p:spPr>
+          <a:xfrm>
+            <a:off x="4781089" y="1931604"/>
+            <a:ext cx="7021195" cy="3986347"/>
+          </a:xfrm>
+          <a:prstGeom prst="rect">
+            <a:avLst/>
+          </a:prstGeom>
+        </p:spPr>
+      </p:pic>
       <p:sp>
         <p:nvSpPr>
           <p:cNvPr id="2" name="object 2"/>
@@ -19214,41 +19819,6 @@
       </p:sp>
       <p:sp>
         <p:nvSpPr>
-          <p:cNvPr id="12" name="object 3">
-            <a:extLst>
-              <a:ext uri="{FF2B5EF4-FFF2-40B4-BE49-F238E27FC236}">
-                <a16:creationId xmlns:a16="http://schemas.microsoft.com/office/drawing/2014/main" id="{A21E66B3-CCB9-42A0-BDEF-6A109E342D0C}"/>
-              </a:ext>
-            </a:extLst>
-          </p:cNvPr>
-          <p:cNvSpPr/>
-          <p:nvPr/>
-        </p:nvSpPr>
-        <p:spPr>
-          <a:xfrm>
-            <a:off x="4419600" y="1782939"/>
-            <a:ext cx="7655510" cy="4396257"/>
-          </a:xfrm>
-          <a:prstGeom prst="rect">
-            <a:avLst/>
-          </a:prstGeom>
-          <a:blipFill>
-            <a:blip r:embed="rId3" cstate="print"/>
-            <a:stretch>
-              <a:fillRect/>
-            </a:stretch>
-          </a:blipFill>
-        </p:spPr>
-        <p:txBody>
-          <a:bodyPr wrap="square" lIns="0" tIns="0" rIns="0" bIns="0" rtlCol="0"/>
-          <a:lstStyle/>
-          <a:p>
-            <a:endParaRPr dirty="0"/>
-          </a:p>
-        </p:txBody>
-      </p:sp>
-      <p:sp>
-        <p:nvSpPr>
           <p:cNvPr id="11" name="7 CuadroTexto">
             <a:extLst>
               <a:ext uri="{FF2B5EF4-FFF2-40B4-BE49-F238E27FC236}">
@@ -19719,92 +20289,6 @@
       </p:sp>
       <p:sp>
         <p:nvSpPr>
-          <p:cNvPr id="13" name="CuadroTexto 12">
-            <a:extLst>
-              <a:ext uri="{FF2B5EF4-FFF2-40B4-BE49-F238E27FC236}">
-                <a16:creationId xmlns:a16="http://schemas.microsoft.com/office/drawing/2014/main" id="{30E39566-266F-4777-9CFE-F81A618A9DD9}"/>
-              </a:ext>
-            </a:extLst>
-          </p:cNvPr>
-          <p:cNvSpPr txBox="1"/>
-          <p:nvPr/>
-        </p:nvSpPr>
-        <p:spPr>
-          <a:xfrm>
-            <a:off x="7010400" y="3048000"/>
-            <a:ext cx="533402" cy="246221"/>
-          </a:xfrm>
-          <a:prstGeom prst="rect">
-            <a:avLst/>
-          </a:prstGeom>
-          <a:noFill/>
-        </p:spPr>
-        <p:txBody>
-          <a:bodyPr wrap="square" rtlCol="0">
-            <a:spAutoFit/>
-          </a:bodyPr>
-          <a:lstStyle/>
-          <a:p>
-            <a:pPr algn="r"/>
-            <a:r>
-              <a:rPr lang="es-ES" sz="1000" b="1" dirty="0">
-                <a:latin typeface="Arial" panose="020B0604020202020204" pitchFamily="34" charset="0"/>
-                <a:cs typeface="Arial" panose="020B0604020202020204" pitchFamily="34" charset="0"/>
-              </a:rPr>
-              <a:t>g0/0</a:t>
-            </a:r>
-            <a:endParaRPr lang="es-MX" sz="1000" b="1" dirty="0">
-              <a:latin typeface="Arial" panose="020B0604020202020204" pitchFamily="34" charset="0"/>
-              <a:cs typeface="Arial" panose="020B0604020202020204" pitchFamily="34" charset="0"/>
-            </a:endParaRPr>
-          </a:p>
-        </p:txBody>
-      </p:sp>
-      <p:sp>
-        <p:nvSpPr>
-          <p:cNvPr id="7" name="CuadroTexto 6">
-            <a:extLst>
-              <a:ext uri="{FF2B5EF4-FFF2-40B4-BE49-F238E27FC236}">
-                <a16:creationId xmlns:a16="http://schemas.microsoft.com/office/drawing/2014/main" id="{B827D6AE-C882-407B-9974-CE6EC3819305}"/>
-              </a:ext>
-            </a:extLst>
-          </p:cNvPr>
-          <p:cNvSpPr txBox="1"/>
-          <p:nvPr/>
-        </p:nvSpPr>
-        <p:spPr>
-          <a:xfrm>
-            <a:off x="7086598" y="3429000"/>
-            <a:ext cx="533402" cy="246221"/>
-          </a:xfrm>
-          <a:prstGeom prst="rect">
-            <a:avLst/>
-          </a:prstGeom>
-          <a:noFill/>
-        </p:spPr>
-        <p:txBody>
-          <a:bodyPr wrap="square" rtlCol="0">
-            <a:spAutoFit/>
-          </a:bodyPr>
-          <a:lstStyle/>
-          <a:p>
-            <a:pPr algn="r"/>
-            <a:r>
-              <a:rPr lang="es-ES" sz="1000" b="1" dirty="0">
-                <a:latin typeface="Arial" panose="020B0604020202020204" pitchFamily="34" charset="0"/>
-                <a:cs typeface="Arial" panose="020B0604020202020204" pitchFamily="34" charset="0"/>
-              </a:rPr>
-              <a:t>g0/1</a:t>
-            </a:r>
-            <a:endParaRPr lang="es-MX" sz="1000" b="1" dirty="0">
-              <a:latin typeface="Arial" panose="020B0604020202020204" pitchFamily="34" charset="0"/>
-              <a:cs typeface="Arial" panose="020B0604020202020204" pitchFamily="34" charset="0"/>
-            </a:endParaRPr>
-          </a:p>
-        </p:txBody>
-      </p:sp>
-      <p:sp>
-        <p:nvSpPr>
           <p:cNvPr id="3" name="Rectángulo 2">
             <a:extLst>
               <a:ext uri="{FF2B5EF4-FFF2-40B4-BE49-F238E27FC236}">
@@ -19817,8 +20301,8 @@
         </p:nvSpPr>
         <p:spPr>
           <a:xfrm>
-            <a:off x="7055175" y="2904410"/>
-            <a:ext cx="838200" cy="779621"/>
+            <a:off x="7217100" y="2590800"/>
+            <a:ext cx="936300" cy="965085"/>
           </a:xfrm>
           <a:prstGeom prst="rect">
             <a:avLst/>
@@ -19871,7 +20355,7 @@
         </p:nvSpPr>
         <p:spPr>
           <a:xfrm>
-            <a:off x="6210300" y="2067009"/>
+            <a:off x="5616900" y="2532692"/>
             <a:ext cx="1600200" cy="504807"/>
           </a:xfrm>
           <a:prstGeom prst="roundRect">
@@ -19946,7 +20430,7 @@
         </p:nvSpPr>
         <p:spPr>
           <a:xfrm>
-            <a:off x="5089016" y="4648200"/>
+            <a:off x="5143500" y="4505325"/>
             <a:ext cx="1600200" cy="504807"/>
           </a:xfrm>
           <a:prstGeom prst="roundRect">
@@ -20103,7 +20587,7 @@
         </p:nvSpPr>
         <p:spPr>
           <a:xfrm>
-            <a:off x="6674175" y="5724665"/>
+            <a:off x="6981825" y="5379923"/>
             <a:ext cx="1600200" cy="504807"/>
           </a:xfrm>
           <a:prstGeom prst="roundRect">
